--- a/outils_numeriques/b1_methodes_numeriques/seance1_demistifier_python/B1_s1_2_Fonctions_Modules.pptx
+++ b/outils_numeriques/b1_methodes_numeriques/seance1_demistifier_python/B1_s1_2_Fonctions_Modules.pptx
@@ -207,7 +207,7 @@
           <a:p>
             <a:fld id="{03DCA889-C670-4F2B-9CA8-344932B44FAE}" type="datetimeFigureOut">
               <a:rPr lang="fr-FR" smtClean="0"/>
-              <a:t>26/04/2023</a:t>
+              <a:t>05/05/2023</a:t>
             </a:fld>
             <a:endParaRPr lang="fr-FR"/>
           </a:p>
@@ -630,7 +630,7 @@
           <a:p>
             <a:fld id="{197F5FAF-5219-49CF-B9F9-7884EF6E42B9}" type="datetime1">
               <a:rPr lang="en-US" smtClean="0"/>
-              <a:t>4/26/2023</a:t>
+              <a:t>5/5/2023</a:t>
             </a:fld>
             <a:endParaRPr lang="en-US" dirty="0"/>
           </a:p>
@@ -1000,7 +1000,7 @@
           <a:p>
             <a:fld id="{16A51A33-B76F-4595-8B5F-4CD2EB5913F5}" type="datetime1">
               <a:rPr lang="en-US" smtClean="0"/>
-              <a:t>4/26/2023</a:t>
+              <a:t>5/5/2023</a:t>
             </a:fld>
             <a:endParaRPr lang="en-US"/>
           </a:p>
@@ -1209,7 +1209,7 @@
           <a:p>
             <a:fld id="{FE5BC590-F40E-4523-87A1-8CCA06813694}" type="datetime1">
               <a:rPr lang="en-US" smtClean="0"/>
-              <a:t>4/26/2023</a:t>
+              <a:t>5/5/2023</a:t>
             </a:fld>
             <a:endParaRPr lang="en-US"/>
           </a:p>
@@ -1679,7 +1679,7 @@
           <a:p>
             <a:fld id="{6AB5E0D3-F0E7-4543-9E6F-B0340CD1C43E}" type="datetime1">
               <a:rPr lang="en-US" smtClean="0"/>
-              <a:t>4/26/2023</a:t>
+              <a:t>5/5/2023</a:t>
             </a:fld>
             <a:endParaRPr lang="en-US"/>
           </a:p>
@@ -2133,7 +2133,7 @@
           <a:p>
             <a:fld id="{ABA34919-3714-40A8-8A3E-002B3D01AF56}" type="datetime1">
               <a:rPr lang="en-US" smtClean="0"/>
-              <a:t>4/26/2023</a:t>
+              <a:t>5/5/2023</a:t>
             </a:fld>
             <a:endParaRPr lang="en-US"/>
           </a:p>
@@ -2665,7 +2665,7 @@
           <a:p>
             <a:fld id="{355179A7-E3B8-41E1-AE75-28AD53844919}" type="datetime1">
               <a:rPr lang="en-US" smtClean="0"/>
-              <a:t>4/26/2023</a:t>
+              <a:t>5/5/2023</a:t>
             </a:fld>
             <a:endParaRPr lang="en-US"/>
           </a:p>
@@ -3364,7 +3364,7 @@
           <a:p>
             <a:fld id="{3A0FADFB-3FBB-41CD-9A07-1F761DB0E3C2}" type="datetime1">
               <a:rPr lang="en-US" smtClean="0"/>
-              <a:t>4/26/2023</a:t>
+              <a:t>5/5/2023</a:t>
             </a:fld>
             <a:endParaRPr lang="en-US"/>
           </a:p>
@@ -3693,7 +3693,7 @@
           <a:p>
             <a:fld id="{3A2C823D-F730-4889-9CB7-1C357042E6E1}" type="datetime1">
               <a:rPr lang="en-US" smtClean="0"/>
-              <a:t>4/26/2023</a:t>
+              <a:t>5/5/2023</a:t>
             </a:fld>
             <a:endParaRPr lang="en-US"/>
           </a:p>
@@ -3806,7 +3806,7 @@
           <a:p>
             <a:fld id="{61C273F2-0A1B-45A0-9C2E-712C41D8F8E5}" type="datetime1">
               <a:rPr lang="en-US" smtClean="0"/>
-              <a:t>4/26/2023</a:t>
+              <a:t>5/5/2023</a:t>
             </a:fld>
             <a:endParaRPr lang="en-US"/>
           </a:p>
@@ -4301,7 +4301,7 @@
           <a:p>
             <a:fld id="{A59DADA8-1464-454D-9EBA-7E55AED06514}" type="datetime1">
               <a:rPr lang="en-US" smtClean="0"/>
-              <a:t>4/26/2023</a:t>
+              <a:t>5/5/2023</a:t>
             </a:fld>
             <a:endParaRPr lang="en-US" dirty="0"/>
           </a:p>
@@ -4778,7 +4778,7 @@
           <a:p>
             <a:fld id="{CD84B399-7E12-4B8B-94D1-C43CF668FA4C}" type="datetime1">
               <a:rPr lang="en-US" smtClean="0"/>
-              <a:t>4/26/2023</a:t>
+              <a:t>5/5/2023</a:t>
             </a:fld>
             <a:endParaRPr lang="en-US"/>
           </a:p>
@@ -5021,7 +5021,7 @@
           <a:p>
             <a:fld id="{D52A94D7-D40A-4757-9521-0B59B41EFF15}" type="datetime1">
               <a:rPr lang="en-US" smtClean="0"/>
-              <a:t>4/26/2023</a:t>
+              <a:t>5/5/2023</a:t>
             </a:fld>
             <a:endParaRPr lang="en-US"/>
           </a:p>

--- a/outils_numeriques/b1_methodes_numeriques/seance1_demistifier_python/B1_s1_2_Fonctions_Modules.pptx
+++ b/outils_numeriques/b1_methodes_numeriques/seance1_demistifier_python/B1_s1_2_Fonctions_Modules.pptx
@@ -207,7 +207,7 @@
           <a:p>
             <a:fld id="{03DCA889-C670-4F2B-9CA8-344932B44FAE}" type="datetimeFigureOut">
               <a:rPr lang="fr-FR" smtClean="0"/>
-              <a:t>05/05/2023</a:t>
+              <a:t>21/06/2023</a:t>
             </a:fld>
             <a:endParaRPr lang="fr-FR"/>
           </a:p>
@@ -630,7 +630,7 @@
           <a:p>
             <a:fld id="{197F5FAF-5219-49CF-B9F9-7884EF6E42B9}" type="datetime1">
               <a:rPr lang="en-US" smtClean="0"/>
-              <a:t>5/5/2023</a:t>
+              <a:t>6/21/2023</a:t>
             </a:fld>
             <a:endParaRPr lang="en-US" dirty="0"/>
           </a:p>
@@ -1000,7 +1000,7 @@
           <a:p>
             <a:fld id="{16A51A33-B76F-4595-8B5F-4CD2EB5913F5}" type="datetime1">
               <a:rPr lang="en-US" smtClean="0"/>
-              <a:t>5/5/2023</a:t>
+              <a:t>6/21/2023</a:t>
             </a:fld>
             <a:endParaRPr lang="en-US"/>
           </a:p>
@@ -1209,7 +1209,7 @@
           <a:p>
             <a:fld id="{FE5BC590-F40E-4523-87A1-8CCA06813694}" type="datetime1">
               <a:rPr lang="en-US" smtClean="0"/>
-              <a:t>5/5/2023</a:t>
+              <a:t>6/21/2023</a:t>
             </a:fld>
             <a:endParaRPr lang="en-US"/>
           </a:p>
@@ -1679,7 +1679,7 @@
           <a:p>
             <a:fld id="{6AB5E0D3-F0E7-4543-9E6F-B0340CD1C43E}" type="datetime1">
               <a:rPr lang="en-US" smtClean="0"/>
-              <a:t>5/5/2023</a:t>
+              <a:t>6/21/2023</a:t>
             </a:fld>
             <a:endParaRPr lang="en-US"/>
           </a:p>
@@ -2133,7 +2133,7 @@
           <a:p>
             <a:fld id="{ABA34919-3714-40A8-8A3E-002B3D01AF56}" type="datetime1">
               <a:rPr lang="en-US" smtClean="0"/>
-              <a:t>5/5/2023</a:t>
+              <a:t>6/21/2023</a:t>
             </a:fld>
             <a:endParaRPr lang="en-US"/>
           </a:p>
@@ -2665,7 +2665,7 @@
           <a:p>
             <a:fld id="{355179A7-E3B8-41E1-AE75-28AD53844919}" type="datetime1">
               <a:rPr lang="en-US" smtClean="0"/>
-              <a:t>5/5/2023</a:t>
+              <a:t>6/21/2023</a:t>
             </a:fld>
             <a:endParaRPr lang="en-US"/>
           </a:p>
@@ -3364,7 +3364,7 @@
           <a:p>
             <a:fld id="{3A0FADFB-3FBB-41CD-9A07-1F761DB0E3C2}" type="datetime1">
               <a:rPr lang="en-US" smtClean="0"/>
-              <a:t>5/5/2023</a:t>
+              <a:t>6/21/2023</a:t>
             </a:fld>
             <a:endParaRPr lang="en-US"/>
           </a:p>
@@ -3693,7 +3693,7 @@
           <a:p>
             <a:fld id="{3A2C823D-F730-4889-9CB7-1C357042E6E1}" type="datetime1">
               <a:rPr lang="en-US" smtClean="0"/>
-              <a:t>5/5/2023</a:t>
+              <a:t>6/21/2023</a:t>
             </a:fld>
             <a:endParaRPr lang="en-US"/>
           </a:p>
@@ -3806,7 +3806,7 @@
           <a:p>
             <a:fld id="{61C273F2-0A1B-45A0-9C2E-712C41D8F8E5}" type="datetime1">
               <a:rPr lang="en-US" smtClean="0"/>
-              <a:t>5/5/2023</a:t>
+              <a:t>6/21/2023</a:t>
             </a:fld>
             <a:endParaRPr lang="en-US"/>
           </a:p>
@@ -4301,7 +4301,7 @@
           <a:p>
             <a:fld id="{A59DADA8-1464-454D-9EBA-7E55AED06514}" type="datetime1">
               <a:rPr lang="en-US" smtClean="0"/>
-              <a:t>5/5/2023</a:t>
+              <a:t>6/21/2023</a:t>
             </a:fld>
             <a:endParaRPr lang="en-US" dirty="0"/>
           </a:p>
@@ -4778,7 +4778,7 @@
           <a:p>
             <a:fld id="{CD84B399-7E12-4B8B-94D1-C43CF668FA4C}" type="datetime1">
               <a:rPr lang="en-US" smtClean="0"/>
-              <a:t>5/5/2023</a:t>
+              <a:t>6/21/2023</a:t>
             </a:fld>
             <a:endParaRPr lang="en-US"/>
           </a:p>
@@ -5021,7 +5021,7 @@
           <a:p>
             <a:fld id="{D52A94D7-D40A-4757-9521-0B59B41EFF15}" type="datetime1">
               <a:rPr lang="en-US" smtClean="0"/>
-              <a:t>5/5/2023</a:t>
+              <a:t>6/21/2023</a:t>
             </a:fld>
             <a:endParaRPr lang="en-US"/>
           </a:p>
@@ -5646,7 +5646,9 @@
           <a:lstStyle/>
           <a:p>
             <a:r>
-              <a:rPr lang="fr-FR" sz="4800" dirty="0"/>
+              <a:rPr lang="fr-FR" sz="4800" dirty="0">
+                <a:latin typeface="Bahnschrift SemiBold" panose="020B0502040204020203" pitchFamily="34" charset="0"/>
+              </a:rPr>
               <a:t>Création de fonctions et de modules</a:t>
             </a:r>
           </a:p>
@@ -5681,8 +5683,10 @@
           <a:lstStyle/>
           <a:p>
             <a:r>
-              <a:rPr lang="fr-FR" sz="2000" dirty="0"/>
-              <a:t>Outils Numériques / Semestre 5 / Institut d’Optique / B1_2</a:t>
+              <a:rPr lang="fr-FR" sz="2000" dirty="0">
+                <a:latin typeface="Bahnschrift Light" panose="020B0502040204020203" pitchFamily="34" charset="0"/>
+              </a:rPr>
+              <a:t>Outils Numériques / Semestre 5 Institut d’Optique / B1_2</a:t>
             </a:r>
           </a:p>
         </p:txBody>
